--- a/Mai_Xuan_Kien_2018605403/PP/kien_outline.pptx
+++ b/Mai_Xuan_Kien_2018605403/PP/kien_outline.pptx
@@ -15,6 +15,7 @@
     <p:sldId id="263" r:id="rId9"/>
     <p:sldId id="266" r:id="rId10"/>
     <p:sldId id="267" r:id="rId11"/>
+    <p:sldId id="268" r:id="rId12"/>
   </p:sldIdLst>
   <p:sldSz cx="12192000" cy="6858000"/>
   <p:notesSz cx="6858000" cy="9144000"/>
@@ -268,7 +269,7 @@
           <a:p>
             <a:fld id="{EAE04497-6080-4579-8CDF-DF9DA6E941E6}" type="datetimeFigureOut">
               <a:rPr lang="en-US" smtClean="0"/>
-              <a:t>4/30/2022</a:t>
+              <a:t>6/8/2022</a:t>
             </a:fld>
             <a:endParaRPr lang="en-US"/>
           </a:p>
@@ -466,7 +467,7 @@
           <a:p>
             <a:fld id="{EAE04497-6080-4579-8CDF-DF9DA6E941E6}" type="datetimeFigureOut">
               <a:rPr lang="en-US" smtClean="0"/>
-              <a:t>4/30/2022</a:t>
+              <a:t>6/8/2022</a:t>
             </a:fld>
             <a:endParaRPr lang="en-US"/>
           </a:p>
@@ -674,7 +675,7 @@
           <a:p>
             <a:fld id="{EAE04497-6080-4579-8CDF-DF9DA6E941E6}" type="datetimeFigureOut">
               <a:rPr lang="en-US" smtClean="0"/>
-              <a:t>4/30/2022</a:t>
+              <a:t>6/8/2022</a:t>
             </a:fld>
             <a:endParaRPr lang="en-US"/>
           </a:p>
@@ -872,7 +873,7 @@
           <a:p>
             <a:fld id="{EAE04497-6080-4579-8CDF-DF9DA6E941E6}" type="datetimeFigureOut">
               <a:rPr lang="en-US" smtClean="0"/>
-              <a:t>4/30/2022</a:t>
+              <a:t>6/8/2022</a:t>
             </a:fld>
             <a:endParaRPr lang="en-US"/>
           </a:p>
@@ -1147,7 +1148,7 @@
           <a:p>
             <a:fld id="{EAE04497-6080-4579-8CDF-DF9DA6E941E6}" type="datetimeFigureOut">
               <a:rPr lang="en-US" smtClean="0"/>
-              <a:t>4/30/2022</a:t>
+              <a:t>6/8/2022</a:t>
             </a:fld>
             <a:endParaRPr lang="en-US"/>
           </a:p>
@@ -1412,7 +1413,7 @@
           <a:p>
             <a:fld id="{EAE04497-6080-4579-8CDF-DF9DA6E941E6}" type="datetimeFigureOut">
               <a:rPr lang="en-US" smtClean="0"/>
-              <a:t>4/30/2022</a:t>
+              <a:t>6/8/2022</a:t>
             </a:fld>
             <a:endParaRPr lang="en-US"/>
           </a:p>
@@ -1824,7 +1825,7 @@
           <a:p>
             <a:fld id="{EAE04497-6080-4579-8CDF-DF9DA6E941E6}" type="datetimeFigureOut">
               <a:rPr lang="en-US" smtClean="0"/>
-              <a:t>4/30/2022</a:t>
+              <a:t>6/8/2022</a:t>
             </a:fld>
             <a:endParaRPr lang="en-US"/>
           </a:p>
@@ -1965,7 +1966,7 @@
           <a:p>
             <a:fld id="{EAE04497-6080-4579-8CDF-DF9DA6E941E6}" type="datetimeFigureOut">
               <a:rPr lang="en-US" smtClean="0"/>
-              <a:t>4/30/2022</a:t>
+              <a:t>6/8/2022</a:t>
             </a:fld>
             <a:endParaRPr lang="en-US"/>
           </a:p>
@@ -2078,7 +2079,7 @@
           <a:p>
             <a:fld id="{EAE04497-6080-4579-8CDF-DF9DA6E941E6}" type="datetimeFigureOut">
               <a:rPr lang="en-US" smtClean="0"/>
-              <a:t>4/30/2022</a:t>
+              <a:t>6/8/2022</a:t>
             </a:fld>
             <a:endParaRPr lang="en-US"/>
           </a:p>
@@ -2389,7 +2390,7 @@
           <a:p>
             <a:fld id="{EAE04497-6080-4579-8CDF-DF9DA6E941E6}" type="datetimeFigureOut">
               <a:rPr lang="en-US" smtClean="0"/>
-              <a:t>4/30/2022</a:t>
+              <a:t>6/8/2022</a:t>
             </a:fld>
             <a:endParaRPr lang="en-US"/>
           </a:p>
@@ -2677,7 +2678,7 @@
           <a:p>
             <a:fld id="{EAE04497-6080-4579-8CDF-DF9DA6E941E6}" type="datetimeFigureOut">
               <a:rPr lang="en-US" smtClean="0"/>
-              <a:t>4/30/2022</a:t>
+              <a:t>6/8/2022</a:t>
             </a:fld>
             <a:endParaRPr lang="en-US"/>
           </a:p>
@@ -2918,7 +2919,7 @@
           <a:p>
             <a:fld id="{EAE04497-6080-4579-8CDF-DF9DA6E941E6}" type="datetimeFigureOut">
               <a:rPr lang="en-US" smtClean="0"/>
-              <a:t>4/30/2022</a:t>
+              <a:t>6/8/2022</a:t>
             </a:fld>
             <a:endParaRPr lang="en-US"/>
           </a:p>
@@ -5157,10 +5158,1118 @@
           <a:chExt cx="0" cy="0"/>
         </a:xfrm>
       </p:grpSpPr>
+      <p:grpSp>
+        <p:nvGrpSpPr>
+          <p:cNvPr id="19" name="Group 18">
+            <a:extLst>
+              <a:ext uri="{FF2B5EF4-FFF2-40B4-BE49-F238E27FC236}">
+                <a16:creationId xmlns:a16="http://schemas.microsoft.com/office/drawing/2014/main" id="{B0323896-E198-2C14-BB28-30729CCDC008}"/>
+              </a:ext>
+            </a:extLst>
+          </p:cNvPr>
+          <p:cNvGrpSpPr/>
+          <p:nvPr/>
+        </p:nvGrpSpPr>
+        <p:grpSpPr>
+          <a:xfrm>
+            <a:off x="626076" y="1589903"/>
+            <a:ext cx="7282248" cy="3566983"/>
+            <a:chOff x="626076" y="1589903"/>
+            <a:chExt cx="7282248" cy="3566983"/>
+          </a:xfrm>
+        </p:grpSpPr>
+        <p:grpSp>
+          <p:nvGrpSpPr>
+            <p:cNvPr id="17" name="Group 16">
+              <a:extLst>
+                <a:ext uri="{FF2B5EF4-FFF2-40B4-BE49-F238E27FC236}">
+                  <a16:creationId xmlns:a16="http://schemas.microsoft.com/office/drawing/2014/main" id="{45A8A3CA-3508-821F-6305-61813EED271F}"/>
+                </a:ext>
+              </a:extLst>
+            </p:cNvPr>
+            <p:cNvGrpSpPr/>
+            <p:nvPr/>
+          </p:nvGrpSpPr>
+          <p:grpSpPr>
+            <a:xfrm>
+              <a:off x="626076" y="1589903"/>
+              <a:ext cx="7282248" cy="3566983"/>
+              <a:chOff x="626076" y="1589903"/>
+              <a:chExt cx="7282248" cy="3566983"/>
+            </a:xfrm>
+          </p:grpSpPr>
+          <p:sp>
+            <p:nvSpPr>
+              <p:cNvPr id="22" name="Rectangle 21">
+                <a:extLst>
+                  <a:ext uri="{FF2B5EF4-FFF2-40B4-BE49-F238E27FC236}">
+                    <a16:creationId xmlns:a16="http://schemas.microsoft.com/office/drawing/2014/main" id="{7BA121B5-3479-CE84-6966-697AFBC23C2D}"/>
+                  </a:ext>
+                </a:extLst>
+              </p:cNvPr>
+              <p:cNvSpPr/>
+              <p:nvPr/>
+            </p:nvSpPr>
+            <p:spPr>
+              <a:xfrm>
+                <a:off x="764945" y="1758779"/>
+                <a:ext cx="942538" cy="1070919"/>
+              </a:xfrm>
+              <a:prstGeom prst="rect">
+                <a:avLst/>
+              </a:prstGeom>
+            </p:spPr>
+            <p:style>
+              <a:lnRef idx="2">
+                <a:schemeClr val="accent1">
+                  <a:shade val="50000"/>
+                </a:schemeClr>
+              </a:lnRef>
+              <a:fillRef idx="1">
+                <a:schemeClr val="accent1"/>
+              </a:fillRef>
+              <a:effectRef idx="0">
+                <a:schemeClr val="accent1"/>
+              </a:effectRef>
+              <a:fontRef idx="minor">
+                <a:schemeClr val="lt1"/>
+              </a:fontRef>
+            </p:style>
+            <p:txBody>
+              <a:bodyPr rtlCol="0" anchor="ctr"/>
+              <a:lstStyle/>
+              <a:p>
+                <a:pPr algn="ctr"/>
+                <a:r>
+                  <a:rPr lang="en-US"/>
+                  <a:t>Khối nút nhấn</a:t>
+                </a:r>
+              </a:p>
+            </p:txBody>
+          </p:sp>
+          <p:sp>
+            <p:nvSpPr>
+              <p:cNvPr id="23" name="Rectangle 22">
+                <a:extLst>
+                  <a:ext uri="{FF2B5EF4-FFF2-40B4-BE49-F238E27FC236}">
+                    <a16:creationId xmlns:a16="http://schemas.microsoft.com/office/drawing/2014/main" id="{DF908A56-D3BE-4A39-0EFD-39340DBDAC2F}"/>
+                  </a:ext>
+                </a:extLst>
+              </p:cNvPr>
+              <p:cNvSpPr/>
+              <p:nvPr/>
+            </p:nvSpPr>
+            <p:spPr>
+              <a:xfrm>
+                <a:off x="2185324" y="1758780"/>
+                <a:ext cx="2631405" cy="1070919"/>
+              </a:xfrm>
+              <a:prstGeom prst="rect">
+                <a:avLst/>
+              </a:prstGeom>
+            </p:spPr>
+            <p:style>
+              <a:lnRef idx="2">
+                <a:schemeClr val="accent1">
+                  <a:shade val="50000"/>
+                </a:schemeClr>
+              </a:lnRef>
+              <a:fillRef idx="1">
+                <a:schemeClr val="accent1"/>
+              </a:fillRef>
+              <a:effectRef idx="0">
+                <a:schemeClr val="accent1"/>
+              </a:effectRef>
+              <a:fontRef idx="minor">
+                <a:schemeClr val="lt1"/>
+              </a:fontRef>
+            </p:style>
+            <p:txBody>
+              <a:bodyPr rtlCol="0" anchor="ctr"/>
+              <a:lstStyle/>
+              <a:p>
+                <a:pPr algn="ctr"/>
+                <a:r>
+                  <a:rPr lang="en-US"/>
+                  <a:t>Khối xử lý trung tâm</a:t>
+                </a:r>
+              </a:p>
+            </p:txBody>
+          </p:sp>
+          <p:sp>
+            <p:nvSpPr>
+              <p:cNvPr id="24" name="Rectangle 23">
+                <a:extLst>
+                  <a:ext uri="{FF2B5EF4-FFF2-40B4-BE49-F238E27FC236}">
+                    <a16:creationId xmlns:a16="http://schemas.microsoft.com/office/drawing/2014/main" id="{8166A574-8DCC-5A01-1BF3-F9113A6A8FEC}"/>
+                  </a:ext>
+                </a:extLst>
+              </p:cNvPr>
+              <p:cNvSpPr/>
+              <p:nvPr/>
+            </p:nvSpPr>
+            <p:spPr>
+              <a:xfrm>
+                <a:off x="764945" y="3892302"/>
+                <a:ext cx="815546" cy="856735"/>
+              </a:xfrm>
+              <a:prstGeom prst="rect">
+                <a:avLst/>
+              </a:prstGeom>
+            </p:spPr>
+            <p:style>
+              <a:lnRef idx="2">
+                <a:schemeClr val="accent1">
+                  <a:shade val="50000"/>
+                </a:schemeClr>
+              </a:lnRef>
+              <a:fillRef idx="1">
+                <a:schemeClr val="accent1"/>
+              </a:fillRef>
+              <a:effectRef idx="0">
+                <a:schemeClr val="accent1"/>
+              </a:effectRef>
+              <a:fontRef idx="minor">
+                <a:schemeClr val="lt1"/>
+              </a:fontRef>
+            </p:style>
+            <p:txBody>
+              <a:bodyPr rtlCol="0" anchor="ctr"/>
+              <a:lstStyle/>
+              <a:p>
+                <a:pPr algn="ctr"/>
+                <a:r>
+                  <a:rPr lang="en-US"/>
+                  <a:t>Khối nguồn 220V</a:t>
+                </a:r>
+              </a:p>
+            </p:txBody>
+          </p:sp>
+          <p:sp>
+            <p:nvSpPr>
+              <p:cNvPr id="25" name="Rectangle 24">
+                <a:extLst>
+                  <a:ext uri="{FF2B5EF4-FFF2-40B4-BE49-F238E27FC236}">
+                    <a16:creationId xmlns:a16="http://schemas.microsoft.com/office/drawing/2014/main" id="{2DBCF9C8-BD44-77A0-D479-B09C8130AB0A}"/>
+                  </a:ext>
+                </a:extLst>
+              </p:cNvPr>
+              <p:cNvSpPr/>
+              <p:nvPr/>
+            </p:nvSpPr>
+            <p:spPr>
+              <a:xfrm>
+                <a:off x="1911207" y="3894361"/>
+                <a:ext cx="1109384" cy="856735"/>
+              </a:xfrm>
+              <a:prstGeom prst="rect">
+                <a:avLst/>
+              </a:prstGeom>
+            </p:spPr>
+            <p:style>
+              <a:lnRef idx="2">
+                <a:schemeClr val="accent1">
+                  <a:shade val="50000"/>
+                </a:schemeClr>
+              </a:lnRef>
+              <a:fillRef idx="1">
+                <a:schemeClr val="accent1"/>
+              </a:fillRef>
+              <a:effectRef idx="0">
+                <a:schemeClr val="accent1"/>
+              </a:effectRef>
+              <a:fontRef idx="minor">
+                <a:schemeClr val="lt1"/>
+              </a:fontRef>
+            </p:style>
+            <p:txBody>
+              <a:bodyPr rtlCol="0" anchor="ctr"/>
+              <a:lstStyle/>
+              <a:p>
+                <a:pPr algn="ctr"/>
+                <a:r>
+                  <a:rPr lang="en-US"/>
+                  <a:t>Adapter 12v</a:t>
+                </a:r>
+              </a:p>
+            </p:txBody>
+          </p:sp>
+          <p:sp>
+            <p:nvSpPr>
+              <p:cNvPr id="26" name="Rectangle 25">
+                <a:extLst>
+                  <a:ext uri="{FF2B5EF4-FFF2-40B4-BE49-F238E27FC236}">
+                    <a16:creationId xmlns:a16="http://schemas.microsoft.com/office/drawing/2014/main" id="{1F65A7D9-47D6-02B6-E7B1-3EEE49B933F9}"/>
+                  </a:ext>
+                </a:extLst>
+              </p:cNvPr>
+              <p:cNvSpPr/>
+              <p:nvPr/>
+            </p:nvSpPr>
+            <p:spPr>
+              <a:xfrm>
+                <a:off x="3212744" y="3892303"/>
+                <a:ext cx="815546" cy="856734"/>
+              </a:xfrm>
+              <a:prstGeom prst="rect">
+                <a:avLst/>
+              </a:prstGeom>
+            </p:spPr>
+            <p:style>
+              <a:lnRef idx="2">
+                <a:schemeClr val="accent1">
+                  <a:shade val="50000"/>
+                </a:schemeClr>
+              </a:lnRef>
+              <a:fillRef idx="1">
+                <a:schemeClr val="accent1"/>
+              </a:fillRef>
+              <a:effectRef idx="0">
+                <a:schemeClr val="accent1"/>
+              </a:effectRef>
+              <a:fontRef idx="minor">
+                <a:schemeClr val="lt1"/>
+              </a:fontRef>
+            </p:style>
+            <p:txBody>
+              <a:bodyPr rtlCol="0" anchor="ctr"/>
+              <a:lstStyle/>
+              <a:p>
+                <a:pPr algn="ctr"/>
+                <a:r>
+                  <a:rPr lang="en-US"/>
+                  <a:t>Ổn áp 5V</a:t>
+                </a:r>
+              </a:p>
+            </p:txBody>
+          </p:sp>
+          <p:sp>
+            <p:nvSpPr>
+              <p:cNvPr id="27" name="Rectangle 26">
+                <a:extLst>
+                  <a:ext uri="{FF2B5EF4-FFF2-40B4-BE49-F238E27FC236}">
+                    <a16:creationId xmlns:a16="http://schemas.microsoft.com/office/drawing/2014/main" id="{15259B07-F9B0-0405-1009-BBCDD3E11A8D}"/>
+                  </a:ext>
+                </a:extLst>
+              </p:cNvPr>
+              <p:cNvSpPr/>
+              <p:nvPr/>
+            </p:nvSpPr>
+            <p:spPr>
+              <a:xfrm>
+                <a:off x="5275448" y="1770285"/>
+                <a:ext cx="1293048" cy="710921"/>
+              </a:xfrm>
+              <a:prstGeom prst="rect">
+                <a:avLst/>
+              </a:prstGeom>
+            </p:spPr>
+            <p:style>
+              <a:lnRef idx="2">
+                <a:schemeClr val="accent1">
+                  <a:shade val="50000"/>
+                </a:schemeClr>
+              </a:lnRef>
+              <a:fillRef idx="1">
+                <a:schemeClr val="accent1"/>
+              </a:fillRef>
+              <a:effectRef idx="0">
+                <a:schemeClr val="accent1"/>
+              </a:effectRef>
+              <a:fontRef idx="minor">
+                <a:schemeClr val="lt1"/>
+              </a:fontRef>
+            </p:style>
+            <p:txBody>
+              <a:bodyPr rtlCol="0" anchor="ctr"/>
+              <a:lstStyle/>
+              <a:p>
+                <a:pPr algn="ctr"/>
+                <a:r>
+                  <a:rPr lang="en-US"/>
+                  <a:t>Cách ly quang</a:t>
+                </a:r>
+              </a:p>
+            </p:txBody>
+          </p:sp>
+          <p:sp>
+            <p:nvSpPr>
+              <p:cNvPr id="28" name="Rectangle 27">
+                <a:extLst>
+                  <a:ext uri="{FF2B5EF4-FFF2-40B4-BE49-F238E27FC236}">
+                    <a16:creationId xmlns:a16="http://schemas.microsoft.com/office/drawing/2014/main" id="{4416533C-6B71-964B-9BCA-64C873EDA043}"/>
+                  </a:ext>
+                </a:extLst>
+              </p:cNvPr>
+              <p:cNvSpPr/>
+              <p:nvPr/>
+            </p:nvSpPr>
+            <p:spPr>
+              <a:xfrm>
+                <a:off x="5273573" y="2705787"/>
+                <a:ext cx="1293048" cy="710921"/>
+              </a:xfrm>
+              <a:prstGeom prst="rect">
+                <a:avLst/>
+              </a:prstGeom>
+            </p:spPr>
+            <p:style>
+              <a:lnRef idx="2">
+                <a:schemeClr val="accent1">
+                  <a:shade val="50000"/>
+                </a:schemeClr>
+              </a:lnRef>
+              <a:fillRef idx="1">
+                <a:schemeClr val="accent1"/>
+              </a:fillRef>
+              <a:effectRef idx="0">
+                <a:schemeClr val="accent1"/>
+              </a:effectRef>
+              <a:fontRef idx="minor">
+                <a:schemeClr val="lt1"/>
+              </a:fontRef>
+            </p:style>
+            <p:txBody>
+              <a:bodyPr rtlCol="0" anchor="ctr"/>
+              <a:lstStyle/>
+              <a:p>
+                <a:pPr algn="ctr"/>
+                <a:r>
+                  <a:rPr lang="en-US"/>
+                  <a:t>Khuyếch đại</a:t>
+                </a:r>
+              </a:p>
+            </p:txBody>
+          </p:sp>
+          <p:sp>
+            <p:nvSpPr>
+              <p:cNvPr id="29" name="Rectangle 28">
+                <a:extLst>
+                  <a:ext uri="{FF2B5EF4-FFF2-40B4-BE49-F238E27FC236}">
+                    <a16:creationId xmlns:a16="http://schemas.microsoft.com/office/drawing/2014/main" id="{52A8365F-9912-CA36-A293-873393B43F58}"/>
+                  </a:ext>
+                </a:extLst>
+              </p:cNvPr>
+              <p:cNvSpPr/>
+              <p:nvPr/>
+            </p:nvSpPr>
+            <p:spPr>
+              <a:xfrm>
+                <a:off x="6805318" y="1758779"/>
+                <a:ext cx="1021200" cy="2824733"/>
+              </a:xfrm>
+              <a:prstGeom prst="rect">
+                <a:avLst/>
+              </a:prstGeom>
+            </p:spPr>
+            <p:style>
+              <a:lnRef idx="2">
+                <a:schemeClr val="accent1">
+                  <a:shade val="50000"/>
+                </a:schemeClr>
+              </a:lnRef>
+              <a:fillRef idx="1">
+                <a:schemeClr val="accent1"/>
+              </a:fillRef>
+              <a:effectRef idx="0">
+                <a:schemeClr val="accent1"/>
+              </a:effectRef>
+              <a:fontRef idx="minor">
+                <a:schemeClr val="lt1"/>
+              </a:fontRef>
+            </p:style>
+            <p:txBody>
+              <a:bodyPr rtlCol="0" anchor="ctr"/>
+              <a:lstStyle/>
+              <a:p>
+                <a:pPr algn="ctr"/>
+                <a:r>
+                  <a:rPr lang="en-US"/>
+                  <a:t>Khối thiết bị</a:t>
+                </a:r>
+              </a:p>
+            </p:txBody>
+          </p:sp>
+          <p:sp>
+            <p:nvSpPr>
+              <p:cNvPr id="30" name="Rectangle 29">
+                <a:extLst>
+                  <a:ext uri="{FF2B5EF4-FFF2-40B4-BE49-F238E27FC236}">
+                    <a16:creationId xmlns:a16="http://schemas.microsoft.com/office/drawing/2014/main" id="{DA04C602-A851-AECF-2BEA-592F5D9AAAAD}"/>
+                  </a:ext>
+                </a:extLst>
+              </p:cNvPr>
+              <p:cNvSpPr/>
+              <p:nvPr/>
+            </p:nvSpPr>
+            <p:spPr>
+              <a:xfrm>
+                <a:off x="5273573" y="3902334"/>
+                <a:ext cx="1293048" cy="835657"/>
+              </a:xfrm>
+              <a:prstGeom prst="rect">
+                <a:avLst/>
+              </a:prstGeom>
+            </p:spPr>
+            <p:style>
+              <a:lnRef idx="2">
+                <a:schemeClr val="accent1">
+                  <a:shade val="50000"/>
+                </a:schemeClr>
+              </a:lnRef>
+              <a:fillRef idx="1">
+                <a:schemeClr val="accent1"/>
+              </a:fillRef>
+              <a:effectRef idx="0">
+                <a:schemeClr val="accent1"/>
+              </a:effectRef>
+              <a:fontRef idx="minor">
+                <a:schemeClr val="lt1"/>
+              </a:fontRef>
+            </p:style>
+            <p:txBody>
+              <a:bodyPr rtlCol="0" anchor="ctr"/>
+              <a:lstStyle/>
+              <a:p>
+                <a:pPr algn="ctr"/>
+                <a:r>
+                  <a:rPr lang="en-US"/>
+                  <a:t>Khối relay</a:t>
+                </a:r>
+              </a:p>
+            </p:txBody>
+          </p:sp>
+          <p:cxnSp>
+            <p:nvCxnSpPr>
+              <p:cNvPr id="32" name="Straight Arrow Connector 31">
+                <a:extLst>
+                  <a:ext uri="{FF2B5EF4-FFF2-40B4-BE49-F238E27FC236}">
+                    <a16:creationId xmlns:a16="http://schemas.microsoft.com/office/drawing/2014/main" id="{33272BA0-5027-6D32-08FA-87762EF5AF81}"/>
+                  </a:ext>
+                </a:extLst>
+              </p:cNvPr>
+              <p:cNvCxnSpPr>
+                <a:cxnSpLocks/>
+                <a:stCxn id="22" idx="3"/>
+                <a:endCxn id="23" idx="1"/>
+              </p:cNvCxnSpPr>
+              <p:nvPr/>
+            </p:nvCxnSpPr>
+            <p:spPr>
+              <a:xfrm>
+                <a:off x="1707483" y="2294239"/>
+                <a:ext cx="477841" cy="1"/>
+              </a:xfrm>
+              <a:prstGeom prst="straightConnector1">
+                <a:avLst/>
+              </a:prstGeom>
+              <a:ln>
+                <a:tailEnd type="triangle"/>
+              </a:ln>
+            </p:spPr>
+            <p:style>
+              <a:lnRef idx="1">
+                <a:schemeClr val="accent1"/>
+              </a:lnRef>
+              <a:fillRef idx="0">
+                <a:schemeClr val="accent1"/>
+              </a:fillRef>
+              <a:effectRef idx="0">
+                <a:schemeClr val="accent1"/>
+              </a:effectRef>
+              <a:fontRef idx="minor">
+                <a:schemeClr val="tx1"/>
+              </a:fontRef>
+            </p:style>
+          </p:cxnSp>
+          <p:cxnSp>
+            <p:nvCxnSpPr>
+              <p:cNvPr id="33" name="Straight Arrow Connector 32">
+                <a:extLst>
+                  <a:ext uri="{FF2B5EF4-FFF2-40B4-BE49-F238E27FC236}">
+                    <a16:creationId xmlns:a16="http://schemas.microsoft.com/office/drawing/2014/main" id="{DE8591FE-B296-F944-5387-72542A7BCFBF}"/>
+                  </a:ext>
+                </a:extLst>
+              </p:cNvPr>
+              <p:cNvCxnSpPr>
+                <a:cxnSpLocks/>
+              </p:cNvCxnSpPr>
+              <p:nvPr/>
+            </p:nvCxnSpPr>
+            <p:spPr>
+              <a:xfrm>
+                <a:off x="4842640" y="2366568"/>
+                <a:ext cx="397210" cy="0"/>
+              </a:xfrm>
+              <a:prstGeom prst="straightConnector1">
+                <a:avLst/>
+              </a:prstGeom>
+              <a:ln>
+                <a:tailEnd type="triangle"/>
+              </a:ln>
+            </p:spPr>
+            <p:style>
+              <a:lnRef idx="1">
+                <a:schemeClr val="accent1"/>
+              </a:lnRef>
+              <a:fillRef idx="0">
+                <a:schemeClr val="accent1"/>
+              </a:fillRef>
+              <a:effectRef idx="0">
+                <a:schemeClr val="accent1"/>
+              </a:effectRef>
+              <a:fontRef idx="minor">
+                <a:schemeClr val="tx1"/>
+              </a:fontRef>
+            </p:style>
+          </p:cxnSp>
+          <p:cxnSp>
+            <p:nvCxnSpPr>
+              <p:cNvPr id="34" name="Straight Arrow Connector 33">
+                <a:extLst>
+                  <a:ext uri="{FF2B5EF4-FFF2-40B4-BE49-F238E27FC236}">
+                    <a16:creationId xmlns:a16="http://schemas.microsoft.com/office/drawing/2014/main" id="{7626CCD0-3404-D7A1-14B3-9FB46F5C46E8}"/>
+                  </a:ext>
+                </a:extLst>
+              </p:cNvPr>
+              <p:cNvCxnSpPr/>
+              <p:nvPr/>
+            </p:nvCxnSpPr>
+            <p:spPr>
+              <a:xfrm>
+                <a:off x="1580491" y="4360143"/>
+                <a:ext cx="323973" cy="0"/>
+              </a:xfrm>
+              <a:prstGeom prst="straightConnector1">
+                <a:avLst/>
+              </a:prstGeom>
+              <a:ln>
+                <a:tailEnd type="triangle"/>
+              </a:ln>
+            </p:spPr>
+            <p:style>
+              <a:lnRef idx="1">
+                <a:schemeClr val="accent1"/>
+              </a:lnRef>
+              <a:fillRef idx="0">
+                <a:schemeClr val="accent1"/>
+              </a:fillRef>
+              <a:effectRef idx="0">
+                <a:schemeClr val="accent1"/>
+              </a:effectRef>
+              <a:fontRef idx="minor">
+                <a:schemeClr val="tx1"/>
+              </a:fontRef>
+            </p:style>
+          </p:cxnSp>
+          <p:cxnSp>
+            <p:nvCxnSpPr>
+              <p:cNvPr id="35" name="Straight Arrow Connector 34">
+                <a:extLst>
+                  <a:ext uri="{FF2B5EF4-FFF2-40B4-BE49-F238E27FC236}">
+                    <a16:creationId xmlns:a16="http://schemas.microsoft.com/office/drawing/2014/main" id="{00E75B14-FF33-27FB-EA53-B0267711A29A}"/>
+                  </a:ext>
+                </a:extLst>
+              </p:cNvPr>
+              <p:cNvCxnSpPr>
+                <a:cxnSpLocks/>
+              </p:cNvCxnSpPr>
+              <p:nvPr/>
+            </p:nvCxnSpPr>
+            <p:spPr>
+              <a:xfrm>
+                <a:off x="5923105" y="3429000"/>
+                <a:ext cx="0" cy="419100"/>
+              </a:xfrm>
+              <a:prstGeom prst="straightConnector1">
+                <a:avLst/>
+              </a:prstGeom>
+              <a:ln>
+                <a:tailEnd type="triangle"/>
+              </a:ln>
+            </p:spPr>
+            <p:style>
+              <a:lnRef idx="1">
+                <a:schemeClr val="accent1"/>
+              </a:lnRef>
+              <a:fillRef idx="0">
+                <a:schemeClr val="accent1"/>
+              </a:fillRef>
+              <a:effectRef idx="0">
+                <a:schemeClr val="accent1"/>
+              </a:effectRef>
+              <a:fontRef idx="minor">
+                <a:schemeClr val="tx1"/>
+              </a:fontRef>
+            </p:style>
+          </p:cxnSp>
+          <p:sp>
+            <p:nvSpPr>
+              <p:cNvPr id="40" name="Rectangle 39">
+                <a:extLst>
+                  <a:ext uri="{FF2B5EF4-FFF2-40B4-BE49-F238E27FC236}">
+                    <a16:creationId xmlns:a16="http://schemas.microsoft.com/office/drawing/2014/main" id="{A6E2B781-7226-862F-9EF8-7A8CFB03DCF5}"/>
+                  </a:ext>
+                </a:extLst>
+              </p:cNvPr>
+              <p:cNvSpPr/>
+              <p:nvPr/>
+            </p:nvSpPr>
+            <p:spPr>
+              <a:xfrm>
+                <a:off x="4244108" y="3892303"/>
+                <a:ext cx="815546" cy="856734"/>
+              </a:xfrm>
+              <a:prstGeom prst="rect">
+                <a:avLst/>
+              </a:prstGeom>
+            </p:spPr>
+            <p:style>
+              <a:lnRef idx="2">
+                <a:schemeClr val="accent1">
+                  <a:shade val="50000"/>
+                </a:schemeClr>
+              </a:lnRef>
+              <a:fillRef idx="1">
+                <a:schemeClr val="accent1"/>
+              </a:fillRef>
+              <a:effectRef idx="0">
+                <a:schemeClr val="accent1"/>
+              </a:effectRef>
+              <a:fontRef idx="minor">
+                <a:schemeClr val="lt1"/>
+              </a:fontRef>
+            </p:style>
+            <p:txBody>
+              <a:bodyPr rtlCol="0" anchor="ctr"/>
+              <a:lstStyle/>
+              <a:p>
+                <a:pPr algn="ctr"/>
+                <a:r>
+                  <a:rPr lang="en-US"/>
+                  <a:t>Cách ly nguồn</a:t>
+                </a:r>
+              </a:p>
+            </p:txBody>
+          </p:sp>
+          <p:cxnSp>
+            <p:nvCxnSpPr>
+              <p:cNvPr id="57" name="Straight Arrow Connector 56">
+                <a:extLst>
+                  <a:ext uri="{FF2B5EF4-FFF2-40B4-BE49-F238E27FC236}">
+                    <a16:creationId xmlns:a16="http://schemas.microsoft.com/office/drawing/2014/main" id="{7E133C9A-DAD8-07EB-549D-24A0BA120A40}"/>
+                  </a:ext>
+                </a:extLst>
+              </p:cNvPr>
+              <p:cNvCxnSpPr>
+                <a:cxnSpLocks/>
+                <a:stCxn id="25" idx="3"/>
+                <a:endCxn id="26" idx="1"/>
+              </p:cNvCxnSpPr>
+              <p:nvPr/>
+            </p:nvCxnSpPr>
+            <p:spPr>
+              <a:xfrm flipV="1">
+                <a:off x="3020591" y="4320670"/>
+                <a:ext cx="192153" cy="2059"/>
+              </a:xfrm>
+              <a:prstGeom prst="straightConnector1">
+                <a:avLst/>
+              </a:prstGeom>
+              <a:ln>
+                <a:tailEnd type="triangle"/>
+              </a:ln>
+            </p:spPr>
+            <p:style>
+              <a:lnRef idx="1">
+                <a:schemeClr val="accent1"/>
+              </a:lnRef>
+              <a:fillRef idx="0">
+                <a:schemeClr val="accent1"/>
+              </a:fillRef>
+              <a:effectRef idx="0">
+                <a:schemeClr val="accent1"/>
+              </a:effectRef>
+              <a:fontRef idx="minor">
+                <a:schemeClr val="tx1"/>
+              </a:fontRef>
+            </p:style>
+          </p:cxnSp>
+          <p:cxnSp>
+            <p:nvCxnSpPr>
+              <p:cNvPr id="63" name="Straight Arrow Connector 62">
+                <a:extLst>
+                  <a:ext uri="{FF2B5EF4-FFF2-40B4-BE49-F238E27FC236}">
+                    <a16:creationId xmlns:a16="http://schemas.microsoft.com/office/drawing/2014/main" id="{C51C458A-CCF8-2124-30E2-8EB5AC4678E2}"/>
+                  </a:ext>
+                </a:extLst>
+              </p:cNvPr>
+              <p:cNvCxnSpPr>
+                <a:cxnSpLocks/>
+                <a:stCxn id="30" idx="1"/>
+                <a:endCxn id="40" idx="3"/>
+              </p:cNvCxnSpPr>
+              <p:nvPr/>
+            </p:nvCxnSpPr>
+            <p:spPr>
+              <a:xfrm flipH="1">
+                <a:off x="5059654" y="4320163"/>
+                <a:ext cx="213919" cy="507"/>
+              </a:xfrm>
+              <a:prstGeom prst="straightConnector1">
+                <a:avLst/>
+              </a:prstGeom>
+              <a:ln>
+                <a:tailEnd type="triangle"/>
+              </a:ln>
+            </p:spPr>
+            <p:style>
+              <a:lnRef idx="1">
+                <a:schemeClr val="accent1"/>
+              </a:lnRef>
+              <a:fillRef idx="0">
+                <a:schemeClr val="accent1"/>
+              </a:fillRef>
+              <a:effectRef idx="0">
+                <a:schemeClr val="accent1"/>
+              </a:effectRef>
+              <a:fontRef idx="minor">
+                <a:schemeClr val="tx1"/>
+              </a:fontRef>
+            </p:style>
+          </p:cxnSp>
+          <p:cxnSp>
+            <p:nvCxnSpPr>
+              <p:cNvPr id="66" name="Straight Arrow Connector 65">
+                <a:extLst>
+                  <a:ext uri="{FF2B5EF4-FFF2-40B4-BE49-F238E27FC236}">
+                    <a16:creationId xmlns:a16="http://schemas.microsoft.com/office/drawing/2014/main" id="{8E55370B-3E90-6DD2-97C2-F698381EAB74}"/>
+                  </a:ext>
+                </a:extLst>
+              </p:cNvPr>
+              <p:cNvCxnSpPr>
+                <a:cxnSpLocks/>
+              </p:cNvCxnSpPr>
+              <p:nvPr/>
+            </p:nvCxnSpPr>
+            <p:spPr>
+              <a:xfrm flipV="1">
+                <a:off x="5923038" y="4749037"/>
+                <a:ext cx="0" cy="209043"/>
+              </a:xfrm>
+              <a:prstGeom prst="straightConnector1">
+                <a:avLst/>
+              </a:prstGeom>
+              <a:ln>
+                <a:tailEnd type="triangle"/>
+              </a:ln>
+            </p:spPr>
+            <p:style>
+              <a:lnRef idx="1">
+                <a:schemeClr val="accent1"/>
+              </a:lnRef>
+              <a:fillRef idx="0">
+                <a:schemeClr val="accent1"/>
+              </a:fillRef>
+              <a:effectRef idx="0">
+                <a:schemeClr val="accent1"/>
+              </a:effectRef>
+              <a:fontRef idx="minor">
+                <a:schemeClr val="tx1"/>
+              </a:fontRef>
+            </p:style>
+          </p:cxnSp>
+          <p:sp>
+            <p:nvSpPr>
+              <p:cNvPr id="73" name="Rectangle 72">
+                <a:extLst>
+                  <a:ext uri="{FF2B5EF4-FFF2-40B4-BE49-F238E27FC236}">
+                    <a16:creationId xmlns:a16="http://schemas.microsoft.com/office/drawing/2014/main" id="{F97167D8-5676-94DA-2FF7-38881D2F6249}"/>
+                  </a:ext>
+                </a:extLst>
+              </p:cNvPr>
+              <p:cNvSpPr/>
+              <p:nvPr/>
+            </p:nvSpPr>
+            <p:spPr>
+              <a:xfrm>
+                <a:off x="626076" y="1589903"/>
+                <a:ext cx="7282248" cy="3566983"/>
+              </a:xfrm>
+              <a:prstGeom prst="rect">
+                <a:avLst/>
+              </a:prstGeom>
+              <a:noFill/>
+              <a:ln w="19050" cap="flat" cmpd="sng" algn="ctr">
+                <a:solidFill>
+                  <a:schemeClr val="dk1"/>
+                </a:solidFill>
+                <a:prstDash val="solid"/>
+                <a:round/>
+                <a:headEnd type="none" w="med" len="med"/>
+                <a:tailEnd type="none" w="med" len="med"/>
+              </a:ln>
+            </p:spPr>
+            <p:style>
+              <a:lnRef idx="0">
+                <a:scrgbClr r="0" g="0" b="0"/>
+              </a:lnRef>
+              <a:fillRef idx="0">
+                <a:scrgbClr r="0" g="0" b="0"/>
+              </a:fillRef>
+              <a:effectRef idx="0">
+                <a:scrgbClr r="0" g="0" b="0"/>
+              </a:effectRef>
+              <a:fontRef idx="minor">
+                <a:schemeClr val="dk1"/>
+              </a:fontRef>
+            </p:style>
+            <p:txBody>
+              <a:bodyPr rtlCol="0" anchor="ctr"/>
+              <a:lstStyle/>
+              <a:p>
+                <a:pPr algn="ctr"/>
+                <a:endParaRPr lang="en-US"/>
+              </a:p>
+            </p:txBody>
+          </p:sp>
+          <p:cxnSp>
+            <p:nvCxnSpPr>
+              <p:cNvPr id="75" name="Straight Arrow Connector 74">
+                <a:extLst>
+                  <a:ext uri="{FF2B5EF4-FFF2-40B4-BE49-F238E27FC236}">
+                    <a16:creationId xmlns:a16="http://schemas.microsoft.com/office/drawing/2014/main" id="{11146C89-CA49-8572-303F-5956609FD933}"/>
+                  </a:ext>
+                </a:extLst>
+              </p:cNvPr>
+              <p:cNvCxnSpPr>
+                <a:cxnSpLocks/>
+              </p:cNvCxnSpPr>
+              <p:nvPr/>
+            </p:nvCxnSpPr>
+            <p:spPr>
+              <a:xfrm>
+                <a:off x="6591399" y="4320163"/>
+                <a:ext cx="213919" cy="0"/>
+              </a:xfrm>
+              <a:prstGeom prst="straightConnector1">
+                <a:avLst/>
+              </a:prstGeom>
+              <a:ln>
+                <a:tailEnd type="triangle"/>
+              </a:ln>
+            </p:spPr>
+            <p:style>
+              <a:lnRef idx="1">
+                <a:schemeClr val="accent1"/>
+              </a:lnRef>
+              <a:fillRef idx="0">
+                <a:schemeClr val="accent1"/>
+              </a:fillRef>
+              <a:effectRef idx="0">
+                <a:schemeClr val="accent1"/>
+              </a:effectRef>
+              <a:fontRef idx="minor">
+                <a:schemeClr val="tx1"/>
+              </a:fontRef>
+            </p:style>
+          </p:cxnSp>
+          <p:cxnSp>
+            <p:nvCxnSpPr>
+              <p:cNvPr id="31" name="Straight Arrow Connector 30">
+                <a:extLst>
+                  <a:ext uri="{FF2B5EF4-FFF2-40B4-BE49-F238E27FC236}">
+                    <a16:creationId xmlns:a16="http://schemas.microsoft.com/office/drawing/2014/main" id="{74A9DE49-5991-8A2D-37B2-0FA8A2BF24C3}"/>
+                  </a:ext>
+                </a:extLst>
+              </p:cNvPr>
+              <p:cNvCxnSpPr>
+                <a:cxnSpLocks/>
+                <a:stCxn id="27" idx="2"/>
+                <a:endCxn id="28" idx="0"/>
+              </p:cNvCxnSpPr>
+              <p:nvPr/>
+            </p:nvCxnSpPr>
+            <p:spPr>
+              <a:xfrm flipH="1">
+                <a:off x="5920097" y="2481206"/>
+                <a:ext cx="1875" cy="224581"/>
+              </a:xfrm>
+              <a:prstGeom prst="straightConnector1">
+                <a:avLst/>
+              </a:prstGeom>
+              <a:ln>
+                <a:tailEnd type="triangle"/>
+              </a:ln>
+            </p:spPr>
+            <p:style>
+              <a:lnRef idx="1">
+                <a:schemeClr val="accent1"/>
+              </a:lnRef>
+              <a:fillRef idx="0">
+                <a:schemeClr val="accent1"/>
+              </a:fillRef>
+              <a:effectRef idx="0">
+                <a:schemeClr val="accent1"/>
+              </a:effectRef>
+              <a:fontRef idx="minor">
+                <a:schemeClr val="tx1"/>
+              </a:fontRef>
+            </p:style>
+          </p:cxnSp>
+          <p:cxnSp>
+            <p:nvCxnSpPr>
+              <p:cNvPr id="12" name="Straight Connector 11">
+                <a:extLst>
+                  <a:ext uri="{FF2B5EF4-FFF2-40B4-BE49-F238E27FC236}">
+                    <a16:creationId xmlns:a16="http://schemas.microsoft.com/office/drawing/2014/main" id="{6C6B9F9E-09B4-8127-85BB-73ACCDA0D264}"/>
+                  </a:ext>
+                </a:extLst>
+              </p:cNvPr>
+              <p:cNvCxnSpPr>
+                <a:stCxn id="26" idx="2"/>
+              </p:cNvCxnSpPr>
+              <p:nvPr/>
+            </p:nvCxnSpPr>
+            <p:spPr>
+              <a:xfrm>
+                <a:off x="3620517" y="4749037"/>
+                <a:ext cx="0" cy="198883"/>
+              </a:xfrm>
+              <a:prstGeom prst="line">
+                <a:avLst/>
+              </a:prstGeom>
+            </p:spPr>
+            <p:style>
+              <a:lnRef idx="1">
+                <a:schemeClr val="accent1"/>
+              </a:lnRef>
+              <a:fillRef idx="0">
+                <a:schemeClr val="accent1"/>
+              </a:fillRef>
+              <a:effectRef idx="0">
+                <a:schemeClr val="accent1"/>
+              </a:effectRef>
+              <a:fontRef idx="minor">
+                <a:schemeClr val="tx1"/>
+              </a:fontRef>
+            </p:style>
+          </p:cxnSp>
+          <p:cxnSp>
+            <p:nvCxnSpPr>
+              <p:cNvPr id="14" name="Straight Connector 13">
+                <a:extLst>
+                  <a:ext uri="{FF2B5EF4-FFF2-40B4-BE49-F238E27FC236}">
+                    <a16:creationId xmlns:a16="http://schemas.microsoft.com/office/drawing/2014/main" id="{ADCD7931-5909-1240-99E0-ABE2F0398333}"/>
+                  </a:ext>
+                </a:extLst>
+              </p:cNvPr>
+              <p:cNvCxnSpPr>
+                <a:cxnSpLocks/>
+              </p:cNvCxnSpPr>
+              <p:nvPr/>
+            </p:nvCxnSpPr>
+            <p:spPr>
+              <a:xfrm>
+                <a:off x="3620517" y="4958080"/>
+                <a:ext cx="2299580" cy="0"/>
+              </a:xfrm>
+              <a:prstGeom prst="line">
+                <a:avLst/>
+              </a:prstGeom>
+            </p:spPr>
+            <p:style>
+              <a:lnRef idx="1">
+                <a:schemeClr val="accent1"/>
+              </a:lnRef>
+              <a:fillRef idx="0">
+                <a:schemeClr val="accent1"/>
+              </a:fillRef>
+              <a:effectRef idx="0">
+                <a:schemeClr val="accent1"/>
+              </a:effectRef>
+              <a:fontRef idx="minor">
+                <a:schemeClr val="tx1"/>
+              </a:fontRef>
+            </p:style>
+          </p:cxnSp>
+        </p:grpSp>
+        <p:cxnSp>
+          <p:nvCxnSpPr>
+            <p:cNvPr id="42" name="Straight Arrow Connector 41">
+              <a:extLst>
+                <a:ext uri="{FF2B5EF4-FFF2-40B4-BE49-F238E27FC236}">
+                  <a16:creationId xmlns:a16="http://schemas.microsoft.com/office/drawing/2014/main" id="{7600B761-AA2C-2A7C-A490-D239212BE8E9}"/>
+                </a:ext>
+              </a:extLst>
+            </p:cNvPr>
+            <p:cNvCxnSpPr>
+              <a:cxnSpLocks/>
+            </p:cNvCxnSpPr>
+            <p:nvPr/>
+          </p:nvCxnSpPr>
+          <p:spPr>
+            <a:xfrm flipV="1">
+              <a:off x="4597158" y="2829698"/>
+              <a:ext cx="0" cy="1062604"/>
+            </a:xfrm>
+            <a:prstGeom prst="straightConnector1">
+              <a:avLst/>
+            </a:prstGeom>
+            <a:ln>
+              <a:tailEnd type="triangle"/>
+            </a:ln>
+          </p:spPr>
+          <p:style>
+            <a:lnRef idx="1">
+              <a:schemeClr val="accent1"/>
+            </a:lnRef>
+            <a:fillRef idx="0">
+              <a:schemeClr val="accent1"/>
+            </a:fillRef>
+            <a:effectRef idx="0">
+              <a:schemeClr val="accent1"/>
+            </a:effectRef>
+            <a:fontRef idx="minor">
+              <a:schemeClr val="tx1"/>
+            </a:fontRef>
+          </p:style>
+        </p:cxnSp>
+      </p:grpSp>
     </p:spTree>
     <p:extLst>
       <p:ext uri="{BB962C8B-B14F-4D97-AF65-F5344CB8AC3E}">
         <p14:creationId xmlns:p14="http://schemas.microsoft.com/office/powerpoint/2010/main" val="2288838697"/>
+      </p:ext>
+    </p:extLst>
+  </p:cSld>
+  <p:clrMapOvr>
+    <a:masterClrMapping/>
+  </p:clrMapOvr>
+</p:sld>
+</file>
+
+<file path=ppt/slides/slide11.xml><?xml version="1.0" encoding="utf-8"?>
+<p:sld xmlns:a="http://schemas.openxmlformats.org/drawingml/2006/main" xmlns:r="http://schemas.openxmlformats.org/officeDocument/2006/relationships" xmlns:p="http://schemas.openxmlformats.org/presentationml/2006/main">
+  <p:cSld>
+    <p:spTree>
+      <p:nvGrpSpPr>
+        <p:cNvPr id="1" name=""/>
+        <p:cNvGrpSpPr/>
+        <p:nvPr/>
+      </p:nvGrpSpPr>
+      <p:grpSpPr>
+        <a:xfrm>
+          <a:off x="0" y="0"/>
+          <a:ext cx="0" cy="0"/>
+          <a:chOff x="0" y="0"/>
+          <a:chExt cx="0" cy="0"/>
+        </a:xfrm>
+      </p:grpSpPr>
+    </p:spTree>
+    <p:extLst>
+      <p:ext uri="{BB962C8B-B14F-4D97-AF65-F5344CB8AC3E}">
+        <p14:creationId xmlns:p14="http://schemas.microsoft.com/office/powerpoint/2010/main" val="3640250323"/>
       </p:ext>
     </p:extLst>
   </p:cSld>
